--- a/docs/expense-tracker [Autosaved].pptx
+++ b/docs/expense-tracker [Autosaved].pptx
@@ -45861,10 +45861,10 @@
           <a:lstStyle/>
           <a:p>
             <a:r>
-              <a:rPr lang="en-US" altLang="zh-CN" sz="4800" dirty="0"/>
-              <a:t>Expense Tracker System</a:t>
-            </a:r>
-            <a:endParaRPr lang="en-GB" sz="4800" dirty="0"/>
+              <a:rPr lang="en-US" altLang="zh-CN" sz="4000" dirty="0"/>
+              <a:t>Expense Tracker Management System</a:t>
+            </a:r>
+            <a:endParaRPr lang="en-GB" sz="4000" dirty="0"/>
           </a:p>
         </p:txBody>
       </p:sp>
@@ -45933,7 +45933,7 @@
                 <a:cs typeface="Canva Sans Bold"/>
                 <a:sym typeface="Canva Sans Bold"/>
               </a:rPr>
-              <a:t> Zin Aye</a:t>
+              <a:t> Zin</a:t>
             </a:r>
           </a:p>
           <a:p>
@@ -45952,7 +45952,7 @@
                 <a:cs typeface="Canva Sans Bold"/>
                 <a:sym typeface="Canva Sans Bold"/>
               </a:rPr>
-              <a:t>5CS(EXT-?)</a:t>
+              <a:t>5CS(EXT-22)</a:t>
             </a:r>
           </a:p>
           <a:p>
@@ -52782,15 +52782,6 @@
 </file>
 
 <file path=customXml/item1.xml><?xml version="1.0" encoding="utf-8"?>
-<?mso-contentType ?>
-<FormTemplates xmlns="http://schemas.microsoft.com/sharepoint/v3/contenttype/forms">
-  <Display>DocumentLibraryForm</Display>
-  <Edit>DocumentLibraryForm</Edit>
-  <New>DocumentLibraryForm</New>
-</FormTemplates>
-</file>
-
-<file path=customXml/item2.xml><?xml version="1.0" encoding="utf-8"?>
 <ct:contentTypeSchema xmlns:ct="http://schemas.microsoft.com/office/2006/metadata/contentType" xmlns:ma="http://schemas.microsoft.com/office/2006/metadata/properties/metaAttributes" ct:_="" ma:_="" ma:contentTypeName="Document" ma:contentTypeID="0x0101001867FBBEFD40724CA20725D6B3094130" ma:contentTypeVersion="14" ma:contentTypeDescription="Create a new document." ma:contentTypeScope="" ma:versionID="b563ecc397a77cd5d82b22a852f9d63c">
   <xsd:schema xmlns:xsd="http://www.w3.org/2001/XMLSchema" xmlns:xs="http://www.w3.org/2001/XMLSchema" xmlns:p="http://schemas.microsoft.com/office/2006/metadata/properties" xmlns:ns1="http://schemas.microsoft.com/sharepoint/v3" xmlns:ns2="21705155-b4ce-4c69-95dc-4fd6cb8c5571" xmlns:ns3="38de0ec0-4312-429b-9ba4-a6f7899b86f2" targetNamespace="http://schemas.microsoft.com/office/2006/metadata/properties" ma:root="true" ma:fieldsID="514fef1a96c1431b584933149cb0dc9f" ns1:_="" ns2:_="" ns3:_="">
     <xsd:import namespace="http://schemas.microsoft.com/sharepoint/v3"/>
@@ -53008,6 +52999,15 @@
 </ct:contentTypeSchema>
 </file>
 
+<file path=customXml/item2.xml><?xml version="1.0" encoding="utf-8"?>
+<?mso-contentType ?>
+<FormTemplates xmlns="http://schemas.microsoft.com/sharepoint/v3/contenttype/forms">
+  <Display>DocumentLibraryForm</Display>
+  <Edit>DocumentLibraryForm</Edit>
+  <New>DocumentLibraryForm</New>
+</FormTemplates>
+</file>
+
 <file path=customXml/item3.xml><?xml version="1.0" encoding="utf-8"?>
 <p:properties xmlns:p="http://schemas.microsoft.com/office/2006/metadata/properties" xmlns:xsi="http://www.w3.org/2001/XMLSchema-instance" xmlns:pc="http://schemas.microsoft.com/office/infopath/2007/PartnerControls">
   <documentManagement>
@@ -53022,14 +53022,6 @@
 </file>
 
 <file path=customXml/itemProps1.xml><?xml version="1.0" encoding="utf-8"?>
-<ds:datastoreItem xmlns:ds="http://schemas.openxmlformats.org/officeDocument/2006/customXml" ds:itemID="{31DED828-D6B6-42DA-8DEE-DE8638CBB0B2}">
-  <ds:schemaRefs>
-    <ds:schemaRef ds:uri="http://schemas.microsoft.com/sharepoint/v3/contenttype/forms"/>
-  </ds:schemaRefs>
-</ds:datastoreItem>
-</file>
-
-<file path=customXml/itemProps2.xml><?xml version="1.0" encoding="utf-8"?>
 <ds:datastoreItem xmlns:ds="http://schemas.openxmlformats.org/officeDocument/2006/customXml" ds:itemID="{4AE86BAD-86C6-47EA-A0F9-642802C2FE2B}">
   <ds:schemaRefs>
     <ds:schemaRef ds:uri="http://schemas.microsoft.com/office/2006/metadata/contentType"/>
@@ -53049,6 +53041,14 @@
 </ds:datastoreItem>
 </file>
 
+<file path=customXml/itemProps2.xml><?xml version="1.0" encoding="utf-8"?>
+<ds:datastoreItem xmlns:ds="http://schemas.openxmlformats.org/officeDocument/2006/customXml" ds:itemID="{31DED828-D6B6-42DA-8DEE-DE8638CBB0B2}">
+  <ds:schemaRefs>
+    <ds:schemaRef ds:uri="http://schemas.microsoft.com/sharepoint/v3/contenttype/forms"/>
+  </ds:schemaRefs>
+</ds:datastoreItem>
+</file>
+
 <file path=customXml/itemProps3.xml><?xml version="1.0" encoding="utf-8"?>
 <ds:datastoreItem xmlns:ds="http://schemas.openxmlformats.org/officeDocument/2006/customXml" ds:itemID="{81333B44-FF7C-4DD4-AB3A-1FC68C05FF35}">
   <ds:schemaRefs>
